--- a/_PowerPoints/2nd Semester/Unit 7 Law of Sines and Cosines (Chapter 6 Intro)/PreCalc_Day_054 [Test].pptx
+++ b/_PowerPoints/2nd Semester/Unit 7 Law of Sines and Cosines (Chapter 6 Intro)/PreCalc_Day_054 [Test].pptx
@@ -200,7 +200,7 @@
           <a:p>
             <a:fld id="{FAC4242D-6570-4D26-878C-5DE8AD62D39F}" type="datetimeFigureOut">
               <a:rPr lang="en-US" smtClean="0"/>
-              <a:t>2/20/2018</a:t>
+              <a:t>2/21/2018</a:t>
             </a:fld>
             <a:endParaRPr lang="en-US"/>
           </a:p>
@@ -453,7 +453,7 @@
             <a:fld id="{87DE6118-2437-4B30-8E3C-4D2BE6020583}" type="datetimeFigureOut">
               <a:rPr lang="en-US" dirty="0"/>
               <a:pPr/>
-              <a:t>2/20/2018</a:t>
+              <a:t>2/21/2018</a:t>
             </a:fld>
             <a:endParaRPr lang="en-US" dirty="0"/>
           </a:p>
@@ -779,7 +779,7 @@
           <a:p>
             <a:fld id="{87DE6118-2437-4B30-8E3C-4D2BE6020583}" type="datetimeFigureOut">
               <a:rPr lang="en-US" dirty="0"/>
-              <a:t>2/20/2018</a:t>
+              <a:t>2/21/2018</a:t>
             </a:fld>
             <a:endParaRPr lang="en-US" dirty="0"/>
           </a:p>
@@ -954,7 +954,7 @@
           <a:p>
             <a:fld id="{87DE6118-2437-4B30-8E3C-4D2BE6020583}" type="datetimeFigureOut">
               <a:rPr lang="en-US" dirty="0"/>
-              <a:t>2/20/2018</a:t>
+              <a:t>2/21/2018</a:t>
             </a:fld>
             <a:endParaRPr lang="en-US" dirty="0"/>
           </a:p>
@@ -1119,7 +1119,7 @@
           <a:p>
             <a:fld id="{87DE6118-2437-4B30-8E3C-4D2BE6020583}" type="datetimeFigureOut">
               <a:rPr lang="en-US" dirty="0"/>
-              <a:t>2/20/2018</a:t>
+              <a:t>2/21/2018</a:t>
             </a:fld>
             <a:endParaRPr lang="en-US" dirty="0"/>
           </a:p>
@@ -1392,7 +1392,7 @@
             <a:fld id="{87DE6118-2437-4B30-8E3C-4D2BE6020583}" type="datetimeFigureOut">
               <a:rPr lang="en-US" dirty="0"/>
               <a:pPr/>
-              <a:t>2/20/2018</a:t>
+              <a:t>2/21/2018</a:t>
             </a:fld>
             <a:endParaRPr lang="en-US" dirty="0"/>
           </a:p>
@@ -1782,7 +1782,7 @@
           <a:p>
             <a:fld id="{87DE6118-2437-4B30-8E3C-4D2BE6020583}" type="datetimeFigureOut">
               <a:rPr lang="en-US" dirty="0"/>
-              <a:t>2/20/2018</a:t>
+              <a:t>2/21/2018</a:t>
             </a:fld>
             <a:endParaRPr lang="en-US" dirty="0"/>
           </a:p>
@@ -2254,7 +2254,7 @@
           <a:p>
             <a:fld id="{87DE6118-2437-4B30-8E3C-4D2BE6020583}" type="datetimeFigureOut">
               <a:rPr lang="en-US" dirty="0"/>
-              <a:t>2/20/2018</a:t>
+              <a:t>2/21/2018</a:t>
             </a:fld>
             <a:endParaRPr lang="en-US" dirty="0"/>
           </a:p>
@@ -2367,7 +2367,7 @@
           <a:p>
             <a:fld id="{87DE6118-2437-4B30-8E3C-4D2BE6020583}" type="datetimeFigureOut">
               <a:rPr lang="en-US" dirty="0"/>
-              <a:t>2/20/2018</a:t>
+              <a:t>2/21/2018</a:t>
             </a:fld>
             <a:endParaRPr lang="en-US" dirty="0"/>
           </a:p>
@@ -2457,7 +2457,7 @@
           <a:p>
             <a:fld id="{87DE6118-2437-4B30-8E3C-4D2BE6020583}" type="datetimeFigureOut">
               <a:rPr lang="en-US" dirty="0"/>
-              <a:t>2/20/2018</a:t>
+              <a:t>2/21/2018</a:t>
             </a:fld>
             <a:endParaRPr lang="en-US" dirty="0"/>
           </a:p>
@@ -2799,7 +2799,7 @@
             <a:fld id="{87DE6118-2437-4B30-8E3C-4D2BE6020583}" type="datetimeFigureOut">
               <a:rPr lang="en-US" dirty="0"/>
               <a:pPr/>
-              <a:t>2/20/2018</a:t>
+              <a:t>2/21/2018</a:t>
             </a:fld>
             <a:endParaRPr lang="en-US" dirty="0"/>
           </a:p>
@@ -3184,7 +3184,7 @@
             <a:fld id="{87DE6118-2437-4B30-8E3C-4D2BE6020583}" type="datetimeFigureOut">
               <a:rPr lang="en-US" dirty="0"/>
               <a:pPr/>
-              <a:t>2/20/2018</a:t>
+              <a:t>2/21/2018</a:t>
             </a:fld>
             <a:endParaRPr lang="en-US" dirty="0"/>
           </a:p>
@@ -3459,7 +3459,7 @@
             <a:fld id="{87DE6118-2437-4B30-8E3C-4D2BE6020583}" type="datetimeFigureOut">
               <a:rPr lang="en-US" dirty="0"/>
               <a:pPr/>
-              <a:t>2/20/2018</a:t>
+              <a:t>2/21/2018</a:t>
             </a:fld>
             <a:endParaRPr lang="en-US" dirty="0"/>
           </a:p>
@@ -4015,11 +4015,7 @@
           <a:p>
             <a:r>
               <a:rPr lang="en-US" dirty="0" smtClean="0"/>
-              <a:t>Day </a:t>
-            </a:r>
-            <a:r>
-              <a:rPr lang="en-US" dirty="0" smtClean="0"/>
-              <a:t>54</a:t>
+              <a:t>Day 54</a:t>
             </a:r>
             <a:endParaRPr lang="en-US" dirty="0"/>
           </a:p>
@@ -4086,11 +4082,7 @@
           <a:p>
             <a:r>
               <a:rPr lang="en-US" dirty="0" smtClean="0"/>
-              <a:t>Bell </a:t>
-            </a:r>
-            <a:r>
-              <a:rPr lang="en-US" dirty="0" smtClean="0"/>
-              <a:t>Work:</a:t>
+              <a:t>Bell Work:</a:t>
             </a:r>
             <a:br>
               <a:rPr lang="en-US" dirty="0" smtClean="0"/>
@@ -4472,8 +4464,8 @@
           <a:chExt cx="0" cy="0"/>
         </a:xfrm>
       </p:grpSpPr>
-      <mc:AlternateContent xmlns:mc="http://schemas.openxmlformats.org/markup-compatibility/2006">
-        <mc:Choice xmlns:a14="http://schemas.microsoft.com/office/drawing/2010/main" Requires="a14">
+      <mc:AlternateContent xmlns:mc="http://schemas.openxmlformats.org/markup-compatibility/2006" xmlns:a14="http://schemas.microsoft.com/office/drawing/2010/main">
+        <mc:Choice Requires="a14">
           <p:sp>
             <p:nvSpPr>
               <p:cNvPr id="3" name="Content Placeholder 2"/>
@@ -4665,7 +4657,7 @@
             </p:txBody>
           </p:sp>
         </mc:Choice>
-        <mc:Fallback>
+        <mc:Fallback xmlns="">
           <p:sp>
             <p:nvSpPr>
               <p:cNvPr id="3" name="Content Placeholder 2"/>
@@ -4703,8 +4695,8 @@
           </p:sp>
         </mc:Fallback>
       </mc:AlternateContent>
-      <mc:AlternateContent xmlns:mc="http://schemas.openxmlformats.org/markup-compatibility/2006">
-        <mc:Choice xmlns:a14="http://schemas.microsoft.com/office/drawing/2010/main" Requires="a14">
+      <mc:AlternateContent xmlns:mc="http://schemas.openxmlformats.org/markup-compatibility/2006" xmlns:a14="http://schemas.microsoft.com/office/drawing/2010/main">
+        <mc:Choice Requires="a14">
           <p:sp>
             <p:nvSpPr>
               <p:cNvPr id="4" name="Rectangle 3"/>
@@ -4726,6 +4718,7 @@
               </a:bodyPr>
               <a:lstStyle/>
               <a:p>
+                <a:pPr/>
                 <a14:m>
                   <m:oMathPara xmlns:m="http://schemas.openxmlformats.org/officeDocument/2006/math">
                     <m:oMathParaPr>
@@ -4932,7 +4925,7 @@
             </p:txBody>
           </p:sp>
         </mc:Choice>
-        <mc:Fallback>
+        <mc:Fallback xmlns="">
           <p:sp>
             <p:nvSpPr>
               <p:cNvPr id="4" name="Rectangle 3"/>
@@ -4971,8 +4964,8 @@
           </p:sp>
         </mc:Fallback>
       </mc:AlternateContent>
-      <mc:AlternateContent xmlns:mc="http://schemas.openxmlformats.org/markup-compatibility/2006">
-        <mc:Choice xmlns:a14="http://schemas.microsoft.com/office/drawing/2010/main" Requires="a14">
+      <mc:AlternateContent xmlns:mc="http://schemas.openxmlformats.org/markup-compatibility/2006" xmlns:a14="http://schemas.microsoft.com/office/drawing/2010/main">
+        <mc:Choice Requires="a14">
           <p:sp>
             <p:nvSpPr>
               <p:cNvPr id="5" name="Rectangle 4"/>
@@ -5874,7 +5867,7 @@
             </p:txBody>
           </p:sp>
         </mc:Choice>
-        <mc:Fallback>
+        <mc:Fallback xmlns="">
           <p:sp>
             <p:nvSpPr>
               <p:cNvPr id="5" name="Rectangle 4"/>
@@ -5923,7 +5916,7 @@
             </p:nvSpPr>
             <p:spPr>
               <a:xfrm>
-                <a:off x="6121799" y="138989"/>
+                <a:off x="5777985" y="95119"/>
                 <a:ext cx="5971250" cy="688715"/>
               </a:xfrm>
               <a:prstGeom prst="rect">
@@ -6071,7 +6064,7 @@
             </p:nvSpPr>
             <p:spPr>
               <a:xfrm>
-                <a:off x="6121799" y="138989"/>
+                <a:off x="5777985" y="95119"/>
                 <a:ext cx="5971250" cy="688715"/>
               </a:xfrm>
               <a:prstGeom prst="rect">
@@ -6109,7 +6102,7 @@
             </p:nvSpPr>
             <p:spPr>
               <a:xfrm>
-                <a:off x="7853362" y="872634"/>
+                <a:off x="7399819" y="934564"/>
                 <a:ext cx="4239687" cy="1027141"/>
               </a:xfrm>
               <a:prstGeom prst="rect">
@@ -6122,6 +6115,7 @@
               </a:bodyPr>
               <a:lstStyle/>
               <a:p>
+                <a:pPr/>
                 <a14:m>
                   <m:oMathPara xmlns:m="http://schemas.openxmlformats.org/officeDocument/2006/math">
                     <m:oMathParaPr>
@@ -6232,7 +6226,7 @@
             </p:nvSpPr>
             <p:spPr>
               <a:xfrm>
-                <a:off x="7853362" y="872634"/>
+                <a:off x="7399819" y="934564"/>
                 <a:ext cx="4239687" cy="1027141"/>
               </a:xfrm>
               <a:prstGeom prst="rect">
@@ -6388,7 +6382,7 @@
         </p:nvSpPr>
         <p:spPr>
           <a:xfrm rot="16200000">
-            <a:off x="-846940" y="4782527"/>
+            <a:off x="-303819" y="4782527"/>
             <a:ext cx="3803907" cy="769441"/>
           </a:xfrm>
           <a:prstGeom prst="rect">
